--- a/signature missing - 3.pptx
+++ b/signature missing - 3.pptx
@@ -243,7 +243,7 @@
           <a:p>
             <a:fld id="{2134F803-816B-45A8-926A-6FD7EB17B047}" type="datetimeFigureOut">
               <a:rPr lang="ko-KR" altLang="en-US" smtClean="0"/>
-              <a:t>2020-12-22</a:t>
+              <a:t>2020-12-23</a:t>
             </a:fld>
             <a:endParaRPr lang="ko-KR" altLang="en-US"/>
           </a:p>
@@ -411,7 +411,7 @@
           <a:p>
             <a:fld id="{2134F803-816B-45A8-926A-6FD7EB17B047}" type="datetimeFigureOut">
               <a:rPr lang="ko-KR" altLang="en-US" smtClean="0"/>
-              <a:t>2020-12-22</a:t>
+              <a:t>2020-12-23</a:t>
             </a:fld>
             <a:endParaRPr lang="ko-KR" altLang="en-US"/>
           </a:p>
@@ -589,7 +589,7 @@
           <a:p>
             <a:fld id="{2134F803-816B-45A8-926A-6FD7EB17B047}" type="datetimeFigureOut">
               <a:rPr lang="ko-KR" altLang="en-US" smtClean="0"/>
-              <a:t>2020-12-22</a:t>
+              <a:t>2020-12-23</a:t>
             </a:fld>
             <a:endParaRPr lang="ko-KR" altLang="en-US"/>
           </a:p>
@@ -757,7 +757,7 @@
           <a:p>
             <a:fld id="{2134F803-816B-45A8-926A-6FD7EB17B047}" type="datetimeFigureOut">
               <a:rPr lang="ko-KR" altLang="en-US" smtClean="0"/>
-              <a:t>2020-12-22</a:t>
+              <a:t>2020-12-23</a:t>
             </a:fld>
             <a:endParaRPr lang="ko-KR" altLang="en-US"/>
           </a:p>
@@ -1002,7 +1002,7 @@
           <a:p>
             <a:fld id="{2134F803-816B-45A8-926A-6FD7EB17B047}" type="datetimeFigureOut">
               <a:rPr lang="ko-KR" altLang="en-US" smtClean="0"/>
-              <a:t>2020-12-22</a:t>
+              <a:t>2020-12-23</a:t>
             </a:fld>
             <a:endParaRPr lang="ko-KR" altLang="en-US"/>
           </a:p>
@@ -1231,7 +1231,7 @@
           <a:p>
             <a:fld id="{2134F803-816B-45A8-926A-6FD7EB17B047}" type="datetimeFigureOut">
               <a:rPr lang="ko-KR" altLang="en-US" smtClean="0"/>
-              <a:t>2020-12-22</a:t>
+              <a:t>2020-12-23</a:t>
             </a:fld>
             <a:endParaRPr lang="ko-KR" altLang="en-US"/>
           </a:p>
@@ -1595,7 +1595,7 @@
           <a:p>
             <a:fld id="{2134F803-816B-45A8-926A-6FD7EB17B047}" type="datetimeFigureOut">
               <a:rPr lang="ko-KR" altLang="en-US" smtClean="0"/>
-              <a:t>2020-12-22</a:t>
+              <a:t>2020-12-23</a:t>
             </a:fld>
             <a:endParaRPr lang="ko-KR" altLang="en-US"/>
           </a:p>
@@ -1712,7 +1712,7 @@
           <a:p>
             <a:fld id="{2134F803-816B-45A8-926A-6FD7EB17B047}" type="datetimeFigureOut">
               <a:rPr lang="ko-KR" altLang="en-US" smtClean="0"/>
-              <a:t>2020-12-22</a:t>
+              <a:t>2020-12-23</a:t>
             </a:fld>
             <a:endParaRPr lang="ko-KR" altLang="en-US"/>
           </a:p>
@@ -1807,7 +1807,7 @@
           <a:p>
             <a:fld id="{2134F803-816B-45A8-926A-6FD7EB17B047}" type="datetimeFigureOut">
               <a:rPr lang="ko-KR" altLang="en-US" smtClean="0"/>
-              <a:t>2020-12-22</a:t>
+              <a:t>2020-12-23</a:t>
             </a:fld>
             <a:endParaRPr lang="ko-KR" altLang="en-US"/>
           </a:p>
@@ -2082,7 +2082,7 @@
           <a:p>
             <a:fld id="{2134F803-816B-45A8-926A-6FD7EB17B047}" type="datetimeFigureOut">
               <a:rPr lang="ko-KR" altLang="en-US" smtClean="0"/>
-              <a:t>2020-12-22</a:t>
+              <a:t>2020-12-23</a:t>
             </a:fld>
             <a:endParaRPr lang="ko-KR" altLang="en-US"/>
           </a:p>
@@ -2334,7 +2334,7 @@
           <a:p>
             <a:fld id="{2134F803-816B-45A8-926A-6FD7EB17B047}" type="datetimeFigureOut">
               <a:rPr lang="ko-KR" altLang="en-US" smtClean="0"/>
-              <a:t>2020-12-22</a:t>
+              <a:t>2020-12-23</a:t>
             </a:fld>
             <a:endParaRPr lang="ko-KR" altLang="en-US"/>
           </a:p>
@@ -2545,7 +2545,7 @@
           <a:p>
             <a:fld id="{2134F803-816B-45A8-926A-6FD7EB17B047}" type="datetimeFigureOut">
               <a:rPr lang="ko-KR" altLang="en-US" smtClean="0"/>
-              <a:t>2020-12-22</a:t>
+              <a:t>2020-12-23</a:t>
             </a:fld>
             <a:endParaRPr lang="ko-KR" altLang="en-US"/>
           </a:p>
@@ -3062,6 +3062,62 @@
           </a:p>
         </p:txBody>
       </p:sp>
+      <p:sp>
+        <p:nvSpPr>
+          <p:cNvPr id="5" name="TextBox 4">
+            <a:extLst>
+              <a:ext uri="{FF2B5EF4-FFF2-40B4-BE49-F238E27FC236}">
+                <a16:creationId xmlns:a16="http://schemas.microsoft.com/office/drawing/2014/main" id="{00626D37-71B3-4461-AC26-3DB1BABBA476}"/>
+              </a:ext>
+            </a:extLst>
+          </p:cNvPr>
+          <p:cNvSpPr txBox="1"/>
+          <p:nvPr/>
+        </p:nvSpPr>
+        <p:spPr>
+          <a:xfrm>
+            <a:off x="1302391" y="5530632"/>
+            <a:ext cx="9737522" cy="1169551"/>
+          </a:xfrm>
+          <a:prstGeom prst="rect">
+            <a:avLst/>
+          </a:prstGeom>
+          <a:noFill/>
+        </p:spPr>
+        <p:txBody>
+          <a:bodyPr wrap="square">
+            <a:spAutoFit/>
+          </a:bodyPr>
+          <a:lstStyle/>
+          <a:p>
+            <a:r>
+              <a:rPr lang="en-US" sz="2000" dirty="0"/>
+              <a:t>Code: </a:t>
+            </a:r>
+            <a:endParaRPr lang="en-US" sz="2000" dirty="0">
+              <a:hlinkClick r:id="rId2">
+                <a:extLst>
+                  <a:ext uri="{A12FA001-AC4F-418D-AE19-62706E023703}">
+                    <ahyp:hlinkClr xmlns:ahyp="http://schemas.microsoft.com/office/drawing/2018/hyperlinkcolor" val="tx"/>
+                  </a:ext>
+                </a:extLst>
+              </a:hlinkClick>
+            </a:endParaRPr>
+          </a:p>
+          <a:p>
+            <a:r>
+              <a:rPr lang="en-US" sz="1600" dirty="0">
+                <a:hlinkClick r:id="rId2"/>
+              </a:rPr>
+              <a:t>https://github.com/henockmamo54/DocIdentification/blob/dev/_stampLocationIdentification/__LocationAndTextMatching.py</a:t>
+            </a:r>
+            <a:endParaRPr lang="en-US" sz="1600" dirty="0"/>
+          </a:p>
+          <a:p>
+            <a:endParaRPr lang="en-US" sz="1600" dirty="0"/>
+          </a:p>
+        </p:txBody>
+      </p:sp>
     </p:spTree>
     <p:extLst>
       <p:ext uri="{BB962C8B-B14F-4D97-AF65-F5344CB8AC3E}">
